--- a/Fantasy_stock.pptx
+++ b/Fantasy_stock.pptx
@@ -4347,45 +4347,73 @@
           <a:bodyPr/>
           <a:lstStyle/>
           <a:p>
+            <a:pPr>
+              <a:buFont typeface="Wingdings" panose="05000000000000000000" pitchFamily="2" charset="2"/>
+              <a:buChar char="q"/>
+            </a:pPr>
             <a:r>
               <a:rPr lang="en-US" dirty="0"/>
-              <a:t>EMA Crossover trading strategy, more responsive to changing data.</a:t>
-            </a:r>
-          </a:p>
-          <a:p>
+              <a:t> EMA Crossover trading strategy, more responsive to changing data.</a:t>
+            </a:r>
+          </a:p>
+          <a:p>
+            <a:pPr>
+              <a:buFont typeface="Wingdings" panose="05000000000000000000" pitchFamily="2" charset="2"/>
+              <a:buChar char="q"/>
+            </a:pPr>
             <a:r>
               <a:rPr lang="en-US" dirty="0"/>
-              <a:t>Our bread and butter, simple but robust.</a:t>
-            </a:r>
-          </a:p>
-          <a:p>
+              <a:t> Our bread and butter, simple but robust.</a:t>
+            </a:r>
+          </a:p>
+          <a:p>
+            <a:pPr>
+              <a:buFont typeface="Wingdings" panose="05000000000000000000" pitchFamily="2" charset="2"/>
+              <a:buChar char="q"/>
+            </a:pPr>
             <a:r>
               <a:rPr lang="en-US" dirty="0"/>
-              <a:t>Used a 30 day and 100 day moving average for opening prices.</a:t>
-            </a:r>
-          </a:p>
-          <a:p>
+              <a:t> Used a 30 day and 100 day moving average for opening prices.</a:t>
+            </a:r>
+          </a:p>
+          <a:p>
+            <a:pPr>
+              <a:buFont typeface="Wingdings" panose="05000000000000000000" pitchFamily="2" charset="2"/>
+              <a:buChar char="q"/>
+            </a:pPr>
             <a:r>
               <a:rPr lang="en-US" dirty="0"/>
-              <a:t>For hyper traders such as us the shorter the ema the more signals we get.</a:t>
-            </a:r>
-          </a:p>
-          <a:p>
+              <a:t> For hyper traders such as us the shorter the ema the more signals we get.</a:t>
+            </a:r>
+          </a:p>
+          <a:p>
+            <a:pPr>
+              <a:buFont typeface="Wingdings" panose="05000000000000000000" pitchFamily="2" charset="2"/>
+              <a:buChar char="q"/>
+            </a:pPr>
             <a:r>
               <a:rPr lang="en-US" dirty="0"/>
-              <a:t>20-EMA - the last stop on the bus for short-term traders.</a:t>
-            </a:r>
-          </a:p>
-          <a:p>
+              <a:t> 20-EMA - the last stop on the bus for short-term traders.</a:t>
+            </a:r>
+          </a:p>
+          <a:p>
+            <a:pPr>
+              <a:buFont typeface="Wingdings" panose="05000000000000000000" pitchFamily="2" charset="2"/>
+              <a:buChar char="q"/>
+            </a:pPr>
             <a:r>
               <a:rPr lang="en-US" dirty="0"/>
-              <a:t>50-EMA - used by traders to gauge mid-term trends.</a:t>
-            </a:r>
-          </a:p>
-          <a:p>
+              <a:t> 50-EMA - used by traders to gauge mid-term trends.</a:t>
+            </a:r>
+          </a:p>
+          <a:p>
+            <a:pPr>
+              <a:buFont typeface="Wingdings" panose="05000000000000000000" pitchFamily="2" charset="2"/>
+              <a:buChar char="q"/>
+            </a:pPr>
             <a:r>
               <a:rPr lang="en-US" dirty="0"/>
-              <a:t>200-EMA - welcome to the world of long-term trend followers.</a:t>
+              <a:t> 200-EMA - welcome to the world of long-term trend followers.</a:t>
             </a:r>
           </a:p>
           <a:p>
